--- a/practica 3/presentacion_P3.pptx
+++ b/practica 3/presentacion_P3.pptx
@@ -10,7 +10,8 @@
     <p:sldId id="258" r:id="rId4"/>
     <p:sldId id="261" r:id="rId5"/>
     <p:sldId id="262" r:id="rId6"/>
-    <p:sldId id="270" r:id="rId7"/>
+    <p:sldId id="271" r:id="rId7"/>
+    <p:sldId id="270" r:id="rId8"/>
   </p:sldIdLst>
   <p:sldSz cx="12192000" cy="6858000"/>
   <p:notesSz cx="6858000" cy="9144000"/>
@@ -302,7 +303,7 @@
           <a:p>
             <a:fld id="{5209692A-B545-4284-80D1-8EB4D3AA7A1C}" type="datetimeFigureOut">
               <a:rPr lang="es-ES" smtClean="0"/>
-              <a:t>17/11/2023</a:t>
+              <a:t>20/11/2023</a:t>
             </a:fld>
             <a:endParaRPr lang="es-ES"/>
           </a:p>
@@ -344,7 +345,7 @@
           <a:p>
             <a:fld id="{E3D47D57-53D4-4140-B289-A969DCB2CCA1}" type="slidenum">
               <a:rPr lang="es-ES" smtClean="0"/>
-              <a:t>‹#›</a:t>
+              <a:t>‹Nº›</a:t>
             </a:fld>
             <a:endParaRPr lang="es-ES"/>
           </a:p>
@@ -600,7 +601,7 @@
           <a:p>
             <a:fld id="{5209692A-B545-4284-80D1-8EB4D3AA7A1C}" type="datetimeFigureOut">
               <a:rPr lang="es-ES" smtClean="0"/>
-              <a:t>17/11/2023</a:t>
+              <a:t>20/11/2023</a:t>
             </a:fld>
             <a:endParaRPr lang="es-ES"/>
           </a:p>
@@ -642,7 +643,7 @@
           <a:p>
             <a:fld id="{E3D47D57-53D4-4140-B289-A969DCB2CCA1}" type="slidenum">
               <a:rPr lang="es-ES" smtClean="0"/>
-              <a:t>‹#›</a:t>
+              <a:t>‹Nº›</a:t>
             </a:fld>
             <a:endParaRPr lang="es-ES"/>
           </a:p>
@@ -792,7 +793,7 @@
           <a:p>
             <a:fld id="{5209692A-B545-4284-80D1-8EB4D3AA7A1C}" type="datetimeFigureOut">
               <a:rPr lang="es-ES" smtClean="0"/>
-              <a:t>17/11/2023</a:t>
+              <a:t>20/11/2023</a:t>
             </a:fld>
             <a:endParaRPr lang="es-ES"/>
           </a:p>
@@ -834,7 +835,7 @@
           <a:p>
             <a:fld id="{E3D47D57-53D4-4140-B289-A969DCB2CCA1}" type="slidenum">
               <a:rPr lang="es-ES" smtClean="0"/>
-              <a:t>‹#›</a:t>
+              <a:t>‹Nº›</a:t>
             </a:fld>
             <a:endParaRPr lang="es-ES"/>
           </a:p>
@@ -1053,7 +1054,7 @@
           <a:p>
             <a:fld id="{5209692A-B545-4284-80D1-8EB4D3AA7A1C}" type="datetimeFigureOut">
               <a:rPr lang="es-ES" smtClean="0"/>
-              <a:t>17/11/2023</a:t>
+              <a:t>20/11/2023</a:t>
             </a:fld>
             <a:endParaRPr lang="es-ES"/>
           </a:p>
@@ -1095,7 +1096,7 @@
           <a:p>
             <a:fld id="{E3D47D57-53D4-4140-B289-A969DCB2CCA1}" type="slidenum">
               <a:rPr lang="es-ES" smtClean="0"/>
-              <a:t>‹#›</a:t>
+              <a:t>‹Nº›</a:t>
             </a:fld>
             <a:endParaRPr lang="es-ES"/>
           </a:p>
@@ -1477,7 +1478,7 @@
           <a:p>
             <a:fld id="{5209692A-B545-4284-80D1-8EB4D3AA7A1C}" type="datetimeFigureOut">
               <a:rPr lang="es-ES" smtClean="0"/>
-              <a:t>17/11/2023</a:t>
+              <a:t>20/11/2023</a:t>
             </a:fld>
             <a:endParaRPr lang="es-ES"/>
           </a:p>
@@ -1519,7 +1520,7 @@
           <a:p>
             <a:fld id="{E3D47D57-53D4-4140-B289-A969DCB2CCA1}" type="slidenum">
               <a:rPr lang="es-ES" smtClean="0"/>
-              <a:t>‹#›</a:t>
+              <a:t>‹Nº›</a:t>
             </a:fld>
             <a:endParaRPr lang="es-ES"/>
           </a:p>
@@ -2014,7 +2015,7 @@
           <a:p>
             <a:fld id="{5209692A-B545-4284-80D1-8EB4D3AA7A1C}" type="datetimeFigureOut">
               <a:rPr lang="es-ES" smtClean="0"/>
-              <a:t>17/11/2023</a:t>
+              <a:t>20/11/2023</a:t>
             </a:fld>
             <a:endParaRPr lang="es-ES"/>
           </a:p>
@@ -2056,7 +2057,7 @@
           <a:p>
             <a:fld id="{E3D47D57-53D4-4140-B289-A969DCB2CCA1}" type="slidenum">
               <a:rPr lang="es-ES" smtClean="0"/>
-              <a:t>‹#›</a:t>
+              <a:t>‹Nº›</a:t>
             </a:fld>
             <a:endParaRPr lang="es-ES"/>
           </a:p>
@@ -2878,7 +2879,7 @@
           <a:p>
             <a:fld id="{5209692A-B545-4284-80D1-8EB4D3AA7A1C}" type="datetimeFigureOut">
               <a:rPr lang="es-ES" smtClean="0"/>
-              <a:t>17/11/2023</a:t>
+              <a:t>20/11/2023</a:t>
             </a:fld>
             <a:endParaRPr lang="es-ES"/>
           </a:p>
@@ -2920,7 +2921,7 @@
           <a:p>
             <a:fld id="{E3D47D57-53D4-4140-B289-A969DCB2CCA1}" type="slidenum">
               <a:rPr lang="es-ES" smtClean="0"/>
-              <a:t>‹#›</a:t>
+              <a:t>‹Nº›</a:t>
             </a:fld>
             <a:endParaRPr lang="es-ES"/>
           </a:p>
@@ -3048,7 +3049,7 @@
           <a:p>
             <a:fld id="{5209692A-B545-4284-80D1-8EB4D3AA7A1C}" type="datetimeFigureOut">
               <a:rPr lang="es-ES" smtClean="0"/>
-              <a:t>17/11/2023</a:t>
+              <a:t>20/11/2023</a:t>
             </a:fld>
             <a:endParaRPr lang="es-ES"/>
           </a:p>
@@ -3090,7 +3091,7 @@
           <a:p>
             <a:fld id="{E3D47D57-53D4-4140-B289-A969DCB2CCA1}" type="slidenum">
               <a:rPr lang="es-ES" smtClean="0"/>
-              <a:t>‹#›</a:t>
+              <a:t>‹Nº›</a:t>
             </a:fld>
             <a:endParaRPr lang="es-ES"/>
           </a:p>
@@ -3232,7 +3233,7 @@
           <a:p>
             <a:fld id="{5209692A-B545-4284-80D1-8EB4D3AA7A1C}" type="datetimeFigureOut">
               <a:rPr lang="es-ES" smtClean="0"/>
-              <a:t>17/11/2023</a:t>
+              <a:t>20/11/2023</a:t>
             </a:fld>
             <a:endParaRPr lang="es-ES"/>
           </a:p>
@@ -3274,7 +3275,7 @@
           <a:p>
             <a:fld id="{E3D47D57-53D4-4140-B289-A969DCB2CCA1}" type="slidenum">
               <a:rPr lang="es-ES" smtClean="0"/>
-              <a:t>‹#›</a:t>
+              <a:t>‹Nº›</a:t>
             </a:fld>
             <a:endParaRPr lang="es-ES"/>
           </a:p>
@@ -3402,7 +3403,7 @@
           <a:p>
             <a:fld id="{5209692A-B545-4284-80D1-8EB4D3AA7A1C}" type="datetimeFigureOut">
               <a:rPr lang="es-ES" smtClean="0"/>
-              <a:t>17/11/2023</a:t>
+              <a:t>20/11/2023</a:t>
             </a:fld>
             <a:endParaRPr lang="es-ES"/>
           </a:p>
@@ -3444,7 +3445,7 @@
           <a:p>
             <a:fld id="{E3D47D57-53D4-4140-B289-A969DCB2CCA1}" type="slidenum">
               <a:rPr lang="es-ES" smtClean="0"/>
-              <a:t>‹#›</a:t>
+              <a:t>‹Nº›</a:t>
             </a:fld>
             <a:endParaRPr lang="es-ES"/>
           </a:p>
@@ -3646,7 +3647,7 @@
           <a:p>
             <a:fld id="{5209692A-B545-4284-80D1-8EB4D3AA7A1C}" type="datetimeFigureOut">
               <a:rPr lang="es-ES" smtClean="0"/>
-              <a:t>17/11/2023</a:t>
+              <a:t>20/11/2023</a:t>
             </a:fld>
             <a:endParaRPr lang="es-ES"/>
           </a:p>
@@ -3688,7 +3689,7 @@
           <a:p>
             <a:fld id="{E3D47D57-53D4-4140-B289-A969DCB2CCA1}" type="slidenum">
               <a:rPr lang="es-ES" smtClean="0"/>
-              <a:t>‹#›</a:t>
+              <a:t>‹Nº›</a:t>
             </a:fld>
             <a:endParaRPr lang="es-ES"/>
           </a:p>
@@ -3882,7 +3883,7 @@
           <a:p>
             <a:fld id="{5209692A-B545-4284-80D1-8EB4D3AA7A1C}" type="datetimeFigureOut">
               <a:rPr lang="es-ES" smtClean="0"/>
-              <a:t>17/11/2023</a:t>
+              <a:t>20/11/2023</a:t>
             </a:fld>
             <a:endParaRPr lang="es-ES"/>
           </a:p>
@@ -3924,7 +3925,7 @@
           <a:p>
             <a:fld id="{E3D47D57-53D4-4140-B289-A969DCB2CCA1}" type="slidenum">
               <a:rPr lang="es-ES" smtClean="0"/>
-              <a:t>‹#›</a:t>
+              <a:t>‹Nº›</a:t>
             </a:fld>
             <a:endParaRPr lang="es-ES"/>
           </a:p>
@@ -4348,7 +4349,7 @@
           <a:p>
             <a:fld id="{5209692A-B545-4284-80D1-8EB4D3AA7A1C}" type="datetimeFigureOut">
               <a:rPr lang="es-ES" smtClean="0"/>
-              <a:t>17/11/2023</a:t>
+              <a:t>20/11/2023</a:t>
             </a:fld>
             <a:endParaRPr lang="es-ES"/>
           </a:p>
@@ -4390,7 +4391,7 @@
           <a:p>
             <a:fld id="{E3D47D57-53D4-4140-B289-A969DCB2CCA1}" type="slidenum">
               <a:rPr lang="es-ES" smtClean="0"/>
-              <a:t>‹#›</a:t>
+              <a:t>‹Nº›</a:t>
             </a:fld>
             <a:endParaRPr lang="es-ES"/>
           </a:p>
@@ -4466,7 +4467,7 @@
           <a:p>
             <a:fld id="{5209692A-B545-4284-80D1-8EB4D3AA7A1C}" type="datetimeFigureOut">
               <a:rPr lang="es-ES" smtClean="0"/>
-              <a:t>17/11/2023</a:t>
+              <a:t>20/11/2023</a:t>
             </a:fld>
             <a:endParaRPr lang="es-ES"/>
           </a:p>
@@ -4508,7 +4509,7 @@
           <a:p>
             <a:fld id="{E3D47D57-53D4-4140-B289-A969DCB2CCA1}" type="slidenum">
               <a:rPr lang="es-ES" smtClean="0"/>
-              <a:t>‹#›</a:t>
+              <a:t>‹Nº›</a:t>
             </a:fld>
             <a:endParaRPr lang="es-ES"/>
           </a:p>
@@ -4561,7 +4562,7 @@
           <a:p>
             <a:fld id="{5209692A-B545-4284-80D1-8EB4D3AA7A1C}" type="datetimeFigureOut">
               <a:rPr lang="es-ES" smtClean="0"/>
-              <a:t>17/11/2023</a:t>
+              <a:t>20/11/2023</a:t>
             </a:fld>
             <a:endParaRPr lang="es-ES"/>
           </a:p>
@@ -4603,7 +4604,7 @@
           <a:p>
             <a:fld id="{E3D47D57-53D4-4140-B289-A969DCB2CCA1}" type="slidenum">
               <a:rPr lang="es-ES" smtClean="0"/>
-              <a:t>‹#›</a:t>
+              <a:t>‹Nº›</a:t>
             </a:fld>
             <a:endParaRPr lang="es-ES"/>
           </a:p>
@@ -4816,7 +4817,7 @@
           <a:p>
             <a:fld id="{5209692A-B545-4284-80D1-8EB4D3AA7A1C}" type="datetimeFigureOut">
               <a:rPr lang="es-ES" smtClean="0"/>
-              <a:t>17/11/2023</a:t>
+              <a:t>20/11/2023</a:t>
             </a:fld>
             <a:endParaRPr lang="es-ES"/>
           </a:p>
@@ -4858,7 +4859,7 @@
           <a:p>
             <a:fld id="{E3D47D57-53D4-4140-B289-A969DCB2CCA1}" type="slidenum">
               <a:rPr lang="es-ES" smtClean="0"/>
-              <a:t>‹#›</a:t>
+              <a:t>‹Nº›</a:t>
             </a:fld>
             <a:endParaRPr lang="es-ES"/>
           </a:p>
@@ -5116,7 +5117,7 @@
           <a:p>
             <a:fld id="{5209692A-B545-4284-80D1-8EB4D3AA7A1C}" type="datetimeFigureOut">
               <a:rPr lang="es-ES" smtClean="0"/>
-              <a:t>17/11/2023</a:t>
+              <a:t>20/11/2023</a:t>
             </a:fld>
             <a:endParaRPr lang="es-ES"/>
           </a:p>
@@ -5158,7 +5159,7 @@
           <a:p>
             <a:fld id="{E3D47D57-53D4-4140-B289-A969DCB2CCA1}" type="slidenum">
               <a:rPr lang="es-ES" smtClean="0"/>
-              <a:t>‹#›</a:t>
+              <a:t>‹Nº›</a:t>
             </a:fld>
             <a:endParaRPr lang="es-ES"/>
           </a:p>
@@ -5350,7 +5351,7 @@
           <a:p>
             <a:fld id="{5209692A-B545-4284-80D1-8EB4D3AA7A1C}" type="datetimeFigureOut">
               <a:rPr lang="es-ES" smtClean="0"/>
-              <a:t>17/11/2023</a:t>
+              <a:t>20/11/2023</a:t>
             </a:fld>
             <a:endParaRPr lang="es-ES"/>
           </a:p>
@@ -5442,7 +5443,7 @@
           <a:p>
             <a:fld id="{E3D47D57-53D4-4140-B289-A969DCB2CCA1}" type="slidenum">
               <a:rPr lang="es-ES" smtClean="0"/>
-              <a:t>‹#›</a:t>
+              <a:t>‹Nº›</a:t>
             </a:fld>
             <a:endParaRPr lang="es-ES"/>
           </a:p>
@@ -6173,51 +6174,36 @@
           </a:p>
         </p:txBody>
       </p:sp>
-      <p:sp>
-        <p:nvSpPr>
-          <p:cNvPr id="3" name="CuadroTexto 11">
+      <p:pic>
+        <p:nvPicPr>
+          <p:cNvPr id="5" name="Imagen 4">
             <a:extLst>
               <a:ext uri="{FF2B5EF4-FFF2-40B4-BE49-F238E27FC236}">
-                <a16:creationId xmlns:a16="http://schemas.microsoft.com/office/drawing/2014/main" id="{10A4B693-79A1-355F-022E-23BD1901DA35}"/>
+                <a16:creationId xmlns:a16="http://schemas.microsoft.com/office/drawing/2014/main" id="{0090294C-4B8A-1F29-63E4-088AF4AD0F13}"/>
               </a:ext>
             </a:extLst>
           </p:cNvPr>
-          <p:cNvSpPr txBox="1"/>
+          <p:cNvPicPr>
+            <a:picLocks noChangeAspect="1"/>
+          </p:cNvPicPr>
           <p:nvPr/>
-        </p:nvSpPr>
-        <p:spPr>
-          <a:xfrm>
-            <a:off x="4496160" y="3310260"/>
-            <a:ext cx="3576321" cy="1200329"/>
+        </p:nvPicPr>
+        <p:blipFill>
+          <a:blip r:embed="rId2"/>
+          <a:stretch>
+            <a:fillRect/>
+          </a:stretch>
+        </p:blipFill>
+        <p:spPr>
+          <a:xfrm>
+            <a:off x="3325333" y="1520229"/>
+            <a:ext cx="5921216" cy="4976778"/>
           </a:xfrm>
           <a:prstGeom prst="rect">
             <a:avLst/>
           </a:prstGeom>
-          <a:noFill/>
-        </p:spPr>
-        <p:txBody>
-          <a:bodyPr wrap="square" rtlCol="0">
-            <a:spAutoFit/>
-          </a:bodyPr>
-          <a:lstStyle/>
-          <a:p>
-            <a:pPr algn="ctr"/>
-            <a:r>
-              <a:rPr lang="es-ES" dirty="0"/>
-              <a:t>-</a:t>
-            </a:r>
-          </a:p>
-          <a:p>
-            <a:endParaRPr lang="es-ES" dirty="0"/>
-          </a:p>
-          <a:p>
-            <a:endParaRPr lang="es-ES" dirty="0"/>
-          </a:p>
-          <a:p>
-            <a:endParaRPr lang="es-ES" dirty="0"/>
-          </a:p>
-        </p:txBody>
-      </p:sp>
+        </p:spPr>
+      </p:pic>
     </p:spTree>
     <p:extLst>
       <p:ext uri="{BB962C8B-B14F-4D97-AF65-F5344CB8AC3E}">
@@ -6936,17 +6922,99 @@
           <a:p>
             <a:r>
               <a:rPr lang="es-ES" dirty="0"/>
-              <a:t>TAREA 2 – </a:t>
-            </a:r>
-          </a:p>
-        </p:txBody>
-      </p:sp>
-      <p:sp>
-        <p:nvSpPr>
-          <p:cNvPr id="13" name="CuadroTexto 11">
+              <a:t>TAREA 2.1 – Interfaces y MAC </a:t>
+            </a:r>
+          </a:p>
+        </p:txBody>
+      </p:sp>
+      <p:pic>
+        <p:nvPicPr>
+          <p:cNvPr id="3" name="Imagen 2" descr="Texto&#10;&#10;Descripción generada automáticamente">
             <a:extLst>
               <a:ext uri="{FF2B5EF4-FFF2-40B4-BE49-F238E27FC236}">
-                <a16:creationId xmlns:a16="http://schemas.microsoft.com/office/drawing/2014/main" id="{F40940FD-A7CC-21C1-B0BD-B5E09A5838E3}"/>
+                <a16:creationId xmlns:a16="http://schemas.microsoft.com/office/drawing/2014/main" id="{7E3B21B5-C160-1F35-6BBD-D3A96BBC835E}"/>
+              </a:ext>
+            </a:extLst>
+          </p:cNvPr>
+          <p:cNvPicPr>
+            <a:picLocks noChangeAspect="1"/>
+          </p:cNvPicPr>
+          <p:nvPr/>
+        </p:nvPicPr>
+        <p:blipFill>
+          <a:blip r:embed="rId2">
+            <a:extLst>
+              <a:ext uri="{28A0092B-C50C-407E-A947-70E740481C1C}">
+                <a14:useLocalDpi xmlns:a14="http://schemas.microsoft.com/office/drawing/2010/main" val="0"/>
+              </a:ext>
+            </a:extLst>
+          </a:blip>
+          <a:srcRect/>
+          <a:stretch>
+            <a:fillRect/>
+          </a:stretch>
+        </p:blipFill>
+        <p:spPr bwMode="auto">
+          <a:xfrm>
+            <a:off x="919119" y="1565384"/>
+            <a:ext cx="5400040" cy="3130550"/>
+          </a:xfrm>
+          <a:prstGeom prst="rect">
+            <a:avLst/>
+          </a:prstGeom>
+          <a:noFill/>
+          <a:ln>
+            <a:noFill/>
+          </a:ln>
+        </p:spPr>
+      </p:pic>
+      <p:pic>
+        <p:nvPicPr>
+          <p:cNvPr id="4" name="Imagen 3" descr="Texto&#10;&#10;Descripción generada automáticamente">
+            <a:extLst>
+              <a:ext uri="{FF2B5EF4-FFF2-40B4-BE49-F238E27FC236}">
+                <a16:creationId xmlns:a16="http://schemas.microsoft.com/office/drawing/2014/main" id="{A4A28AB9-81FD-2B4B-8090-97DDC3354B4A}"/>
+              </a:ext>
+            </a:extLst>
+          </p:cNvPr>
+          <p:cNvPicPr>
+            <a:picLocks noChangeAspect="1"/>
+          </p:cNvPicPr>
+          <p:nvPr/>
+        </p:nvPicPr>
+        <p:blipFill>
+          <a:blip r:embed="rId3">
+            <a:extLst>
+              <a:ext uri="{28A0092B-C50C-407E-A947-70E740481C1C}">
+                <a14:useLocalDpi xmlns:a14="http://schemas.microsoft.com/office/drawing/2010/main" val="0"/>
+              </a:ext>
+            </a:extLst>
+          </a:blip>
+          <a:srcRect/>
+          <a:stretch>
+            <a:fillRect/>
+          </a:stretch>
+        </p:blipFill>
+        <p:spPr bwMode="auto">
+          <a:xfrm>
+            <a:off x="6620443" y="1910824"/>
+            <a:ext cx="5400040" cy="2439670"/>
+          </a:xfrm>
+          <a:prstGeom prst="rect">
+            <a:avLst/>
+          </a:prstGeom>
+          <a:noFill/>
+          <a:ln>
+            <a:noFill/>
+          </a:ln>
+        </p:spPr>
+      </p:pic>
+      <p:sp>
+        <p:nvSpPr>
+          <p:cNvPr id="6" name="CuadroTexto 5">
+            <a:extLst>
+              <a:ext uri="{FF2B5EF4-FFF2-40B4-BE49-F238E27FC236}">
+                <a16:creationId xmlns:a16="http://schemas.microsoft.com/office/drawing/2014/main" id="{46BC49DE-95FE-04B7-87A1-FCB2C0ACF655}"/>
               </a:ext>
             </a:extLst>
           </p:cNvPr>
@@ -6955,8 +7023,8 @@
         </p:nvSpPr>
         <p:spPr>
           <a:xfrm>
-            <a:off x="4496160" y="3310260"/>
-            <a:ext cx="3576321" cy="1200329"/>
+            <a:off x="1726144" y="4458386"/>
+            <a:ext cx="3785990" cy="646331"/>
           </a:xfrm>
           <a:prstGeom prst="rect">
             <a:avLst/>
@@ -6969,20 +7037,45 @@
           </a:bodyPr>
           <a:lstStyle/>
           <a:p>
-            <a:pPr algn="ctr"/>
             <a:r>
               <a:rPr lang="es-ES" dirty="0"/>
-              <a:t>-</a:t>
-            </a:r>
-          </a:p>
-          <a:p>
-            <a:endParaRPr lang="es-ES" dirty="0"/>
-          </a:p>
-          <a:p>
-            <a:endParaRPr lang="es-ES" dirty="0"/>
-          </a:p>
-          <a:p>
-            <a:endParaRPr lang="es-ES" dirty="0"/>
+              <a:t>Interfaces de comunicación del sistema: enp3s0, lo, wlp2s0.</a:t>
+            </a:r>
+          </a:p>
+        </p:txBody>
+      </p:sp>
+      <p:sp>
+        <p:nvSpPr>
+          <p:cNvPr id="7" name="CuadroTexto 6">
+            <a:extLst>
+              <a:ext uri="{FF2B5EF4-FFF2-40B4-BE49-F238E27FC236}">
+                <a16:creationId xmlns:a16="http://schemas.microsoft.com/office/drawing/2014/main" id="{319A8681-4311-407A-BB83-231E599E938B}"/>
+              </a:ext>
+            </a:extLst>
+          </p:cNvPr>
+          <p:cNvSpPr txBox="1"/>
+          <p:nvPr/>
+        </p:nvSpPr>
+        <p:spPr>
+          <a:xfrm>
+            <a:off x="7486891" y="4458385"/>
+            <a:ext cx="3785990" cy="369332"/>
+          </a:xfrm>
+          <a:prstGeom prst="rect">
+            <a:avLst/>
+          </a:prstGeom>
+          <a:noFill/>
+        </p:spPr>
+        <p:txBody>
+          <a:bodyPr wrap="square" rtlCol="0">
+            <a:spAutoFit/>
+          </a:bodyPr>
+          <a:lstStyle/>
+          <a:p>
+            <a:r>
+              <a:rPr lang="es-ES" dirty="0"/>
+              <a:t>Cambios en el MTU de una interfaz</a:t>
+            </a:r>
           </a:p>
         </p:txBody>
       </p:sp>
@@ -7000,6 +7093,168 @@
 </file>
 
 <file path=ppt/slides/slide6.xml><?xml version="1.0" encoding="utf-8"?>
+<p:sld xmlns:a="http://schemas.openxmlformats.org/drawingml/2006/main" xmlns:r="http://schemas.openxmlformats.org/officeDocument/2006/relationships" xmlns:p="http://schemas.openxmlformats.org/presentationml/2006/main">
+  <p:cSld>
+    <p:spTree>
+      <p:nvGrpSpPr>
+        <p:cNvPr id="1" name=""/>
+        <p:cNvGrpSpPr/>
+        <p:nvPr/>
+      </p:nvGrpSpPr>
+      <p:grpSpPr>
+        <a:xfrm>
+          <a:off x="0" y="0"/>
+          <a:ext cx="0" cy="0"/>
+          <a:chOff x="0" y="0"/>
+          <a:chExt cx="0" cy="0"/>
+        </a:xfrm>
+      </p:grpSpPr>
+      <p:sp>
+        <p:nvSpPr>
+          <p:cNvPr id="2" name="Título 1">
+            <a:extLst>
+              <a:ext uri="{FF2B5EF4-FFF2-40B4-BE49-F238E27FC236}">
+                <a16:creationId xmlns:a16="http://schemas.microsoft.com/office/drawing/2014/main" id="{886EB5C8-C6D3-49A6-32A6-724565E415AF}"/>
+              </a:ext>
+            </a:extLst>
+          </p:cNvPr>
+          <p:cNvSpPr>
+            <a:spLocks noGrp="1"/>
+          </p:cNvSpPr>
+          <p:nvPr>
+            <p:ph type="title"/>
+          </p:nvPr>
+        </p:nvSpPr>
+        <p:spPr>
+          <a:xfrm>
+            <a:off x="919119" y="594934"/>
+            <a:ext cx="10353762" cy="970450"/>
+          </a:xfrm>
+        </p:spPr>
+        <p:txBody>
+          <a:bodyPr/>
+          <a:lstStyle/>
+          <a:p>
+            <a:r>
+              <a:rPr lang="es-ES" dirty="0"/>
+              <a:t>TAREA 2.2 – Directorio /</a:t>
+            </a:r>
+            <a:r>
+              <a:rPr lang="es-ES" dirty="0" err="1"/>
+              <a:t>proc</a:t>
+            </a:r>
+            <a:endParaRPr lang="es-ES" dirty="0"/>
+          </a:p>
+        </p:txBody>
+      </p:sp>
+      <p:pic>
+        <p:nvPicPr>
+          <p:cNvPr id="8" name="Imagen 7">
+            <a:extLst>
+              <a:ext uri="{FF2B5EF4-FFF2-40B4-BE49-F238E27FC236}">
+                <a16:creationId xmlns:a16="http://schemas.microsoft.com/office/drawing/2014/main" id="{5BDE8FBB-B109-6AC9-DB20-66E25AB0C3CB}"/>
+              </a:ext>
+            </a:extLst>
+          </p:cNvPr>
+          <p:cNvPicPr>
+            <a:picLocks noChangeAspect="1"/>
+          </p:cNvPicPr>
+          <p:nvPr/>
+        </p:nvPicPr>
+        <p:blipFill>
+          <a:blip r:embed="rId2">
+            <a:extLst>
+              <a:ext uri="{BEBA8EAE-BF5A-486C-A8C5-ECC9F3942E4B}">
+                <a14:imgProps xmlns:a14="http://schemas.microsoft.com/office/drawing/2010/main">
+                  <a14:imgLayer r:embed="rId3">
+                    <a14:imgEffect>
+                      <a14:backgroundRemoval t="9921" b="89881" l="4808" r="94774">
+                        <a14:foregroundMark x1="10174" y1="15079" x2="5087" y2="20635"/>
+                        <a14:foregroundMark x1="5087" y1="20635" x2="5296" y2="70635"/>
+                        <a14:foregroundMark x1="5296" y1="70635" x2="8571" y2="84722"/>
+                        <a14:foregroundMark x1="8571" y1="84722" x2="13031" y2="85516"/>
+                        <a14:foregroundMark x1="13031" y1="85516" x2="13240" y2="85317"/>
+                        <a14:foregroundMark x1="86202" y1="14286" x2="94843" y2="15873"/>
+                        <a14:foregroundMark x1="94843" y1="15873" x2="95192" y2="77183"/>
+                        <a14:foregroundMark x1="95192" y1="77183" x2="91707" y2="84921"/>
+                        <a14:foregroundMark x1="91707" y1="84921" x2="86760" y2="84524"/>
+                        <a14:foregroundMark x1="86760" y1="84524" x2="90314" y2="73611"/>
+                        <a14:foregroundMark x1="90314" y1="73611" x2="91498" y2="61310"/>
+                        <a14:foregroundMark x1="91498" y1="61310" x2="91359" y2="48016"/>
+                        <a14:foregroundMark x1="91359" y1="48016" x2="88850" y2="28968"/>
+                        <a14:foregroundMark x1="88850" y1="28968" x2="88780" y2="20437"/>
+                        <a14:foregroundMark x1="94216" y1="12500" x2="94774" y2="35516"/>
+                        <a14:foregroundMark x1="5226" y1="14484" x2="4808" y2="15873"/>
+                      </a14:backgroundRemoval>
+                    </a14:imgEffect>
+                  </a14:imgLayer>
+                </a14:imgProps>
+              </a:ext>
+            </a:extLst>
+          </a:blip>
+          <a:stretch>
+            <a:fillRect/>
+          </a:stretch>
+        </p:blipFill>
+        <p:spPr>
+          <a:xfrm>
+            <a:off x="858103" y="1565384"/>
+            <a:ext cx="10970708" cy="3853127"/>
+          </a:xfrm>
+          <a:prstGeom prst="rect">
+            <a:avLst/>
+          </a:prstGeom>
+        </p:spPr>
+      </p:pic>
+      <p:sp>
+        <p:nvSpPr>
+          <p:cNvPr id="9" name="CuadroTexto 8">
+            <a:extLst>
+              <a:ext uri="{FF2B5EF4-FFF2-40B4-BE49-F238E27FC236}">
+                <a16:creationId xmlns:a16="http://schemas.microsoft.com/office/drawing/2014/main" id="{6647FAA7-87DB-DCA9-3C17-FA9529366626}"/>
+              </a:ext>
+            </a:extLst>
+          </p:cNvPr>
+          <p:cNvSpPr txBox="1"/>
+          <p:nvPr/>
+        </p:nvSpPr>
+        <p:spPr>
+          <a:xfrm>
+            <a:off x="3963399" y="5107950"/>
+            <a:ext cx="4760115" cy="369332"/>
+          </a:xfrm>
+          <a:prstGeom prst="rect">
+            <a:avLst/>
+          </a:prstGeom>
+          <a:noFill/>
+        </p:spPr>
+        <p:txBody>
+          <a:bodyPr wrap="square" rtlCol="0">
+            <a:spAutoFit/>
+          </a:bodyPr>
+          <a:lstStyle/>
+          <a:p>
+            <a:r>
+              <a:rPr lang="es-ES" dirty="0"/>
+              <a:t>Ficheros virtuales (no ocupan espacio en disco)</a:t>
+            </a:r>
+          </a:p>
+        </p:txBody>
+      </p:sp>
+    </p:spTree>
+    <p:extLst>
+      <p:ext uri="{BB962C8B-B14F-4D97-AF65-F5344CB8AC3E}">
+        <p14:creationId xmlns:p14="http://schemas.microsoft.com/office/powerpoint/2010/main" val="2952153375"/>
+      </p:ext>
+    </p:extLst>
+  </p:cSld>
+  <p:clrMapOvr>
+    <a:masterClrMapping/>
+  </p:clrMapOvr>
+</p:sld>
+</file>
+
+<file path=ppt/slides/slide7.xml><?xml version="1.0" encoding="utf-8"?>
 <p:sld xmlns:a="http://schemas.openxmlformats.org/drawingml/2006/main" xmlns:r="http://schemas.openxmlformats.org/officeDocument/2006/relationships" xmlns:p="http://schemas.openxmlformats.org/presentationml/2006/main">
   <p:cSld>
     <p:spTree>
